--- a/Jenkins_Container.pptx
+++ b/Jenkins_Container.pptx
@@ -5,10 +5,10 @@
     <p:sldMasterId id="2147483696" r:id="rId4"/>
   </p:sldMasterIdLst>
   <p:notesMasterIdLst>
-    <p:notesMasterId r:id="rId72"/>
+    <p:notesMasterId r:id="rId78"/>
   </p:notesMasterIdLst>
   <p:handoutMasterIdLst>
-    <p:handoutMasterId r:id="rId73"/>
+    <p:handoutMasterId r:id="rId79"/>
   </p:handoutMasterIdLst>
   <p:sldIdLst>
     <p:sldId id="265" r:id="rId5"/>
@@ -78,6 +78,12 @@
     <p:sldId id="338" r:id="rId69"/>
     <p:sldId id="339" r:id="rId70"/>
     <p:sldId id="340" r:id="rId71"/>
+    <p:sldId id="341" r:id="rId72"/>
+    <p:sldId id="342" r:id="rId73"/>
+    <p:sldId id="343" r:id="rId74"/>
+    <p:sldId id="344" r:id="rId75"/>
+    <p:sldId id="345" r:id="rId76"/>
+    <p:sldId id="346" r:id="rId77"/>
   </p:sldIdLst>
   <p:sldSz cx="12192000" cy="6858000"/>
   <p:notesSz cx="6858000" cy="9144000"/>
@@ -280,7 +286,7 @@
           <a:p>
             <a:fld id="{41658A34-83F4-4B2E-BC5A-DE51EE8822F9}" type="datetimeFigureOut">
               <a:rPr lang="en-US" smtClean="0"/>
-              <a:t>10/4/2017</a:t>
+              <a:t>10/10/2017</a:t>
             </a:fld>
             <a:endParaRPr lang="en-US" dirty="0"/>
           </a:p>
@@ -445,7 +451,7 @@
           <a:p>
             <a:fld id="{7F2E1917-0BAF-4687-978A-82FFF05559C3}" type="datetimeFigureOut">
               <a:rPr lang="en-US" smtClean="0"/>
-              <a:t>10/4/2017</a:t>
+              <a:t>10/10/2017</a:t>
             </a:fld>
             <a:endParaRPr lang="en-US" dirty="0"/>
           </a:p>
@@ -4260,6 +4266,282 @@
 </p:notes>
 </file>
 
+<file path=ppt/notesSlides/notesSlide43.xml><?xml version="1.0" encoding="utf-8"?>
+<p:notes xmlns:a="http://schemas.openxmlformats.org/drawingml/2006/main" xmlns:r="http://schemas.openxmlformats.org/officeDocument/2006/relationships" xmlns:p="http://schemas.openxmlformats.org/presentationml/2006/main">
+  <p:cSld>
+    <p:spTree>
+      <p:nvGrpSpPr>
+        <p:cNvPr id="1" name=""/>
+        <p:cNvGrpSpPr/>
+        <p:nvPr/>
+      </p:nvGrpSpPr>
+      <p:grpSpPr>
+        <a:xfrm>
+          <a:off x="0" y="0"/>
+          <a:ext cx="0" cy="0"/>
+          <a:chOff x="0" y="0"/>
+          <a:chExt cx="0" cy="0"/>
+        </a:xfrm>
+      </p:grpSpPr>
+      <p:sp>
+        <p:nvSpPr>
+          <p:cNvPr id="2" name="Slide Image Placeholder 1"/>
+          <p:cNvSpPr>
+            <a:spLocks noGrp="1" noRot="1" noChangeAspect="1"/>
+          </p:cNvSpPr>
+          <p:nvPr>
+            <p:ph type="sldImg"/>
+          </p:nvPr>
+        </p:nvSpPr>
+        <p:spPr/>
+      </p:sp>
+      <p:sp>
+        <p:nvSpPr>
+          <p:cNvPr id="3" name="Notes Placeholder 2"/>
+          <p:cNvSpPr>
+            <a:spLocks noGrp="1"/>
+          </p:cNvSpPr>
+          <p:nvPr>
+            <p:ph type="body" idx="1"/>
+          </p:nvPr>
+        </p:nvSpPr>
+        <p:spPr/>
+        <p:txBody>
+          <a:bodyPr/>
+          <a:lstStyle/>
+          <a:p>
+            <a:endParaRPr lang="en-IN" dirty="0"/>
+          </a:p>
+        </p:txBody>
+      </p:sp>
+      <p:sp>
+        <p:nvSpPr>
+          <p:cNvPr id="4" name="Slide Number Placeholder 3"/>
+          <p:cNvSpPr>
+            <a:spLocks noGrp="1"/>
+          </p:cNvSpPr>
+          <p:nvPr>
+            <p:ph type="sldNum" sz="quarter" idx="10"/>
+          </p:nvPr>
+        </p:nvSpPr>
+        <p:spPr/>
+        <p:txBody>
+          <a:bodyPr/>
+          <a:lstStyle/>
+          <a:p>
+            <a:fld id="{810E1E9A-E921-4174-A0FC-51868D7AC568}" type="slidenum">
+              <a:rPr lang="en-US" smtClean="0"/>
+              <a:t>68</a:t>
+            </a:fld>
+            <a:endParaRPr lang="en-US" dirty="0"/>
+          </a:p>
+        </p:txBody>
+      </p:sp>
+    </p:spTree>
+    <p:extLst>
+      <p:ext uri="{BB962C8B-B14F-4D97-AF65-F5344CB8AC3E}">
+        <p14:creationId xmlns:p14="http://schemas.microsoft.com/office/powerpoint/2010/main" val="3746796122"/>
+      </p:ext>
+    </p:extLst>
+  </p:cSld>
+  <p:clrMapOvr>
+    <a:masterClrMapping/>
+  </p:clrMapOvr>
+</p:notes>
+</file>
+
+<file path=ppt/notesSlides/notesSlide44.xml><?xml version="1.0" encoding="utf-8"?>
+<p:notes xmlns:a="http://schemas.openxmlformats.org/drawingml/2006/main" xmlns:r="http://schemas.openxmlformats.org/officeDocument/2006/relationships" xmlns:p="http://schemas.openxmlformats.org/presentationml/2006/main">
+  <p:cSld>
+    <p:spTree>
+      <p:nvGrpSpPr>
+        <p:cNvPr id="1" name=""/>
+        <p:cNvGrpSpPr/>
+        <p:nvPr/>
+      </p:nvGrpSpPr>
+      <p:grpSpPr>
+        <a:xfrm>
+          <a:off x="0" y="0"/>
+          <a:ext cx="0" cy="0"/>
+          <a:chOff x="0" y="0"/>
+          <a:chExt cx="0" cy="0"/>
+        </a:xfrm>
+      </p:grpSpPr>
+      <p:sp>
+        <p:nvSpPr>
+          <p:cNvPr id="2" name="Slide Image Placeholder 1"/>
+          <p:cNvSpPr>
+            <a:spLocks noGrp="1" noRot="1" noChangeAspect="1"/>
+          </p:cNvSpPr>
+          <p:nvPr>
+            <p:ph type="sldImg"/>
+          </p:nvPr>
+        </p:nvSpPr>
+        <p:spPr/>
+      </p:sp>
+      <p:sp>
+        <p:nvSpPr>
+          <p:cNvPr id="3" name="Notes Placeholder 2"/>
+          <p:cNvSpPr>
+            <a:spLocks noGrp="1"/>
+          </p:cNvSpPr>
+          <p:nvPr>
+            <p:ph type="body" idx="1"/>
+          </p:nvPr>
+        </p:nvSpPr>
+        <p:spPr/>
+        <p:txBody>
+          <a:bodyPr/>
+          <a:lstStyle/>
+          <a:p>
+            <a:r>
+              <a:rPr lang="en-IN" sz="1200" b="0" i="0" kern="1200" dirty="0" smtClean="0">
+                <a:solidFill>
+                  <a:schemeClr val="tx1"/>
+                </a:solidFill>
+                <a:effectLst/>
+                <a:latin typeface="+mn-lt"/>
+                <a:ea typeface="+mn-ea"/>
+                <a:cs typeface="+mn-cs"/>
+              </a:rPr>
+              <a:t>you’ll want to put these changes into a separate branch to isolate them from changes in master</a:t>
+            </a:r>
+            <a:endParaRPr lang="en-IN" dirty="0"/>
+          </a:p>
+        </p:txBody>
+      </p:sp>
+      <p:sp>
+        <p:nvSpPr>
+          <p:cNvPr id="4" name="Slide Number Placeholder 3"/>
+          <p:cNvSpPr>
+            <a:spLocks noGrp="1"/>
+          </p:cNvSpPr>
+          <p:nvPr>
+            <p:ph type="sldNum" sz="quarter" idx="10"/>
+          </p:nvPr>
+        </p:nvSpPr>
+        <p:spPr/>
+        <p:txBody>
+          <a:bodyPr/>
+          <a:lstStyle/>
+          <a:p>
+            <a:fld id="{810E1E9A-E921-4174-A0FC-51868D7AC568}" type="slidenum">
+              <a:rPr lang="en-US" smtClean="0"/>
+              <a:t>69</a:t>
+            </a:fld>
+            <a:endParaRPr lang="en-US" dirty="0"/>
+          </a:p>
+        </p:txBody>
+      </p:sp>
+    </p:spTree>
+    <p:extLst>
+      <p:ext uri="{BB962C8B-B14F-4D97-AF65-F5344CB8AC3E}">
+        <p14:creationId xmlns:p14="http://schemas.microsoft.com/office/powerpoint/2010/main" val="4199358956"/>
+      </p:ext>
+    </p:extLst>
+  </p:cSld>
+  <p:clrMapOvr>
+    <a:masterClrMapping/>
+  </p:clrMapOvr>
+</p:notes>
+</file>
+
+<file path=ppt/notesSlides/notesSlide45.xml><?xml version="1.0" encoding="utf-8"?>
+<p:notes xmlns:a="http://schemas.openxmlformats.org/drawingml/2006/main" xmlns:r="http://schemas.openxmlformats.org/officeDocument/2006/relationships" xmlns:p="http://schemas.openxmlformats.org/presentationml/2006/main">
+  <p:cSld>
+    <p:spTree>
+      <p:nvGrpSpPr>
+        <p:cNvPr id="1" name=""/>
+        <p:cNvGrpSpPr/>
+        <p:nvPr/>
+      </p:nvGrpSpPr>
+      <p:grpSpPr>
+        <a:xfrm>
+          <a:off x="0" y="0"/>
+          <a:ext cx="0" cy="0"/>
+          <a:chOff x="0" y="0"/>
+          <a:chExt cx="0" cy="0"/>
+        </a:xfrm>
+      </p:grpSpPr>
+      <p:sp>
+        <p:nvSpPr>
+          <p:cNvPr id="2" name="Slide Image Placeholder 1"/>
+          <p:cNvSpPr>
+            <a:spLocks noGrp="1" noRot="1" noChangeAspect="1"/>
+          </p:cNvSpPr>
+          <p:nvPr>
+            <p:ph type="sldImg"/>
+          </p:nvPr>
+        </p:nvSpPr>
+        <p:spPr/>
+      </p:sp>
+      <p:sp>
+        <p:nvSpPr>
+          <p:cNvPr id="3" name="Notes Placeholder 2"/>
+          <p:cNvSpPr>
+            <a:spLocks noGrp="1"/>
+          </p:cNvSpPr>
+          <p:nvPr>
+            <p:ph type="body" idx="1"/>
+          </p:nvPr>
+        </p:nvSpPr>
+        <p:spPr/>
+        <p:txBody>
+          <a:bodyPr/>
+          <a:lstStyle/>
+          <a:p>
+            <a:r>
+              <a:rPr lang="en-IN" sz="1200" b="0" i="0" kern="1200" dirty="0" smtClean="0">
+                <a:solidFill>
+                  <a:schemeClr val="tx1"/>
+                </a:solidFill>
+                <a:effectLst/>
+                <a:latin typeface="+mn-lt"/>
+                <a:ea typeface="+mn-ea"/>
+                <a:cs typeface="+mn-cs"/>
+              </a:rPr>
+              <a:t>you’ll want to put these changes into a separate branch to isolate them from changes in master</a:t>
+            </a:r>
+            <a:endParaRPr lang="en-IN" dirty="0"/>
+          </a:p>
+        </p:txBody>
+      </p:sp>
+      <p:sp>
+        <p:nvSpPr>
+          <p:cNvPr id="4" name="Slide Number Placeholder 3"/>
+          <p:cNvSpPr>
+            <a:spLocks noGrp="1"/>
+          </p:cNvSpPr>
+          <p:nvPr>
+            <p:ph type="sldNum" sz="quarter" idx="10"/>
+          </p:nvPr>
+        </p:nvSpPr>
+        <p:spPr/>
+        <p:txBody>
+          <a:bodyPr/>
+          <a:lstStyle/>
+          <a:p>
+            <a:fld id="{810E1E9A-E921-4174-A0FC-51868D7AC568}" type="slidenum">
+              <a:rPr lang="en-US" smtClean="0"/>
+              <a:t>70</a:t>
+            </a:fld>
+            <a:endParaRPr lang="en-US" dirty="0"/>
+          </a:p>
+        </p:txBody>
+      </p:sp>
+    </p:spTree>
+    <p:extLst>
+      <p:ext uri="{BB962C8B-B14F-4D97-AF65-F5344CB8AC3E}">
+        <p14:creationId xmlns:p14="http://schemas.microsoft.com/office/powerpoint/2010/main" val="4133018801"/>
+      </p:ext>
+    </p:extLst>
+  </p:cSld>
+  <p:clrMapOvr>
+    <a:masterClrMapping/>
+  </p:clrMapOvr>
+</p:notes>
+</file>
+
 <file path=ppt/notesSlides/notesSlide5.xml><?xml version="1.0" encoding="utf-8"?>
 <p:notes xmlns:a="http://schemas.openxmlformats.org/drawingml/2006/main" xmlns:r="http://schemas.openxmlformats.org/officeDocument/2006/relationships" xmlns:p="http://schemas.openxmlformats.org/presentationml/2006/main">
   <p:cSld>
@@ -5099,7 +5381,7 @@
           <a:p>
             <a:fld id="{84EAB7D7-3608-4730-B2E2-670834DF882C}" type="datetimeFigureOut">
               <a:rPr lang="en-US" smtClean="0"/>
-              <a:t>10/4/2017</a:t>
+              <a:t>10/10/2017</a:t>
             </a:fld>
             <a:endParaRPr lang="en-US" dirty="0"/>
           </a:p>
@@ -5292,7 +5574,7 @@
           <a:p>
             <a:fld id="{84EAB7D7-3608-4730-B2E2-670834DF882C}" type="datetimeFigureOut">
               <a:rPr lang="en-US" smtClean="0"/>
-              <a:t>10/4/2017</a:t>
+              <a:t>10/10/2017</a:t>
             </a:fld>
             <a:endParaRPr lang="en-US" dirty="0"/>
           </a:p>
@@ -5495,7 +5777,7 @@
           <a:p>
             <a:fld id="{84EAB7D7-3608-4730-B2E2-670834DF882C}" type="datetimeFigureOut">
               <a:rPr lang="en-US" smtClean="0"/>
-              <a:t>10/4/2017</a:t>
+              <a:t>10/10/2017</a:t>
             </a:fld>
             <a:endParaRPr lang="en-US" dirty="0"/>
           </a:p>
@@ -5775,7 +6057,7 @@
           <a:p>
             <a:fld id="{84EAB7D7-3608-4730-B2E2-670834DF882C}" type="datetimeFigureOut">
               <a:rPr lang="en-US" smtClean="0"/>
-              <a:t>10/4/2017</a:t>
+              <a:t>10/10/2017</a:t>
             </a:fld>
             <a:endParaRPr lang="en-US" dirty="0"/>
           </a:p>
@@ -5960,7 +6242,7 @@
           <a:p>
             <a:fld id="{84EAB7D7-3608-4730-B2E2-670834DF882C}" type="datetimeFigureOut">
               <a:rPr lang="en-US" smtClean="0"/>
-              <a:t>10/4/2017</a:t>
+              <a:t>10/10/2017</a:t>
             </a:fld>
             <a:endParaRPr lang="en-US" dirty="0"/>
           </a:p>
@@ -6229,7 +6511,7 @@
           <a:p>
             <a:fld id="{84EAB7D7-3608-4730-B2E2-670834DF882C}" type="datetimeFigureOut">
               <a:rPr lang="en-US" smtClean="0"/>
-              <a:t>10/4/2017</a:t>
+              <a:t>10/10/2017</a:t>
             </a:fld>
             <a:endParaRPr lang="en-US" dirty="0"/>
           </a:p>
@@ -6484,7 +6766,7 @@
           <a:p>
             <a:fld id="{84EAB7D7-3608-4730-B2E2-670834DF882C}" type="datetimeFigureOut">
               <a:rPr lang="en-US" smtClean="0"/>
-              <a:t>10/4/2017</a:t>
+              <a:t>10/10/2017</a:t>
             </a:fld>
             <a:endParaRPr lang="en-US" dirty="0"/>
           </a:p>
@@ -6874,7 +7156,7 @@
           <a:p>
             <a:fld id="{84EAB7D7-3608-4730-B2E2-670834DF882C}" type="datetimeFigureOut">
               <a:rPr lang="en-US" smtClean="0"/>
-              <a:t>10/4/2017</a:t>
+              <a:t>10/10/2017</a:t>
             </a:fld>
             <a:endParaRPr lang="en-US" dirty="0"/>
           </a:p>
@@ -7015,7 +7297,7 @@
           <a:p>
             <a:fld id="{84EAB7D7-3608-4730-B2E2-670834DF882C}" type="datetimeFigureOut">
               <a:rPr lang="en-US" smtClean="0"/>
-              <a:t>10/4/2017</a:t>
+              <a:t>10/10/2017</a:t>
             </a:fld>
             <a:endParaRPr lang="en-US" dirty="0"/>
           </a:p>
@@ -7133,7 +7415,7 @@
           <a:p>
             <a:fld id="{84EAB7D7-3608-4730-B2E2-670834DF882C}" type="datetimeFigureOut">
               <a:rPr lang="en-US" smtClean="0"/>
-              <a:t>10/4/2017</a:t>
+              <a:t>10/10/2017</a:t>
             </a:fld>
             <a:endParaRPr lang="en-US" dirty="0"/>
           </a:p>
@@ -7433,7 +7715,7 @@
           <a:p>
             <a:fld id="{84EAB7D7-3608-4730-B2E2-670834DF882C}" type="datetimeFigureOut">
               <a:rPr lang="en-US" smtClean="0"/>
-              <a:t>10/4/2017</a:t>
+              <a:t>10/10/2017</a:t>
             </a:fld>
             <a:endParaRPr lang="en-US" dirty="0"/>
           </a:p>
@@ -7709,7 +7991,7 @@
           <a:p>
             <a:fld id="{84EAB7D7-3608-4730-B2E2-670834DF882C}" type="datetimeFigureOut">
               <a:rPr lang="en-US" smtClean="0"/>
-              <a:t>10/4/2017</a:t>
+              <a:t>10/10/2017</a:t>
             </a:fld>
             <a:endParaRPr lang="en-US" dirty="0"/>
           </a:p>
@@ -7946,7 +8228,7 @@
             <a:fld id="{84EAB7D7-3608-4730-B2E2-670834DF882C}" type="datetimeFigureOut">
               <a:rPr lang="en-US" smtClean="0"/>
               <a:pPr/>
-              <a:t>10/4/2017</a:t>
+              <a:t>10/10/2017</a:t>
             </a:fld>
             <a:endParaRPr lang="en-US" dirty="0"/>
           </a:p>
@@ -31499,6 +31781,622 @@
 </p:sld>
 </file>
 
+<file path=ppt/slides/slide68.xml><?xml version="1.0" encoding="utf-8"?>
+<p:sld xmlns:a="http://schemas.openxmlformats.org/drawingml/2006/main" xmlns:r="http://schemas.openxmlformats.org/officeDocument/2006/relationships" xmlns:p="http://schemas.openxmlformats.org/presentationml/2006/main">
+  <p:cSld>
+    <p:spTree>
+      <p:nvGrpSpPr>
+        <p:cNvPr id="1" name=""/>
+        <p:cNvGrpSpPr/>
+        <p:nvPr/>
+      </p:nvGrpSpPr>
+      <p:grpSpPr>
+        <a:xfrm>
+          <a:off x="0" y="0"/>
+          <a:ext cx="0" cy="0"/>
+          <a:chOff x="0" y="0"/>
+          <a:chExt cx="0" cy="0"/>
+        </a:xfrm>
+      </p:grpSpPr>
+      <p:sp>
+        <p:nvSpPr>
+          <p:cNvPr id="17" name="Content Placeholder 16"/>
+          <p:cNvSpPr>
+            <a:spLocks noGrp="1"/>
+          </p:cNvSpPr>
+          <p:nvPr>
+            <p:ph idx="1"/>
+          </p:nvPr>
+        </p:nvSpPr>
+        <p:spPr>
+          <a:xfrm>
+            <a:off x="124691" y="249382"/>
+            <a:ext cx="11229109" cy="6608618"/>
+          </a:xfrm>
+        </p:spPr>
+        <p:txBody>
+          <a:bodyPr>
+            <a:noAutofit/>
+          </a:bodyPr>
+          <a:lstStyle/>
+          <a:p>
+            <a:pPr marL="0" indent="0" algn="ctr">
+              <a:buNone/>
+            </a:pPr>
+            <a:r>
+              <a:rPr lang="en-IN" sz="4000" dirty="0" smtClean="0"/>
+              <a:t>Gitignore</a:t>
+            </a:r>
+          </a:p>
+          <a:p>
+            <a:pPr marL="0" indent="0">
+              <a:buNone/>
+            </a:pPr>
+            <a:endParaRPr lang="en-IN" sz="2400" dirty="0" smtClean="0">
+              <a:solidFill>
+                <a:srgbClr val="660066"/>
+              </a:solidFill>
+            </a:endParaRPr>
+          </a:p>
+          <a:p>
+            <a:pPr marL="0" indent="0">
+              <a:buNone/>
+            </a:pPr>
+            <a:endParaRPr lang="en-IN" sz="1400" dirty="0">
+              <a:solidFill>
+                <a:srgbClr val="660066"/>
+              </a:solidFill>
+            </a:endParaRPr>
+          </a:p>
+          <a:p>
+            <a:pPr marL="0" indent="0">
+              <a:buNone/>
+            </a:pPr>
+            <a:endParaRPr lang="en-IN" sz="1400" dirty="0" smtClean="0">
+              <a:solidFill>
+                <a:srgbClr val="660066"/>
+              </a:solidFill>
+            </a:endParaRPr>
+          </a:p>
+          <a:p>
+            <a:pPr marL="0" indent="0">
+              <a:buNone/>
+            </a:pPr>
+            <a:endParaRPr lang="en-IN" sz="1400" dirty="0">
+              <a:solidFill>
+                <a:srgbClr val="660066"/>
+              </a:solidFill>
+            </a:endParaRPr>
+          </a:p>
+          <a:p>
+            <a:pPr marL="0" indent="0">
+              <a:buNone/>
+            </a:pPr>
+            <a:endParaRPr lang="en-IN" sz="1400" dirty="0" smtClean="0">
+              <a:solidFill>
+                <a:srgbClr val="660066"/>
+              </a:solidFill>
+            </a:endParaRPr>
+          </a:p>
+          <a:p>
+            <a:pPr marL="0" indent="0">
+              <a:buNone/>
+            </a:pPr>
+            <a:endParaRPr lang="en-IN" sz="1400" dirty="0">
+              <a:solidFill>
+                <a:srgbClr val="660066"/>
+              </a:solidFill>
+            </a:endParaRPr>
+          </a:p>
+          <a:p>
+            <a:pPr marL="0" indent="0">
+              <a:buNone/>
+            </a:pPr>
+            <a:endParaRPr lang="en-IN" sz="1400" dirty="0" smtClean="0">
+              <a:solidFill>
+                <a:srgbClr val="660066"/>
+              </a:solidFill>
+            </a:endParaRPr>
+          </a:p>
+          <a:p>
+            <a:pPr marL="0" indent="0">
+              <a:buNone/>
+            </a:pPr>
+            <a:endParaRPr lang="en-IN" sz="1400" dirty="0">
+              <a:solidFill>
+                <a:srgbClr val="660066"/>
+              </a:solidFill>
+            </a:endParaRPr>
+          </a:p>
+          <a:p>
+            <a:pPr marL="0" indent="0">
+              <a:buNone/>
+            </a:pPr>
+            <a:endParaRPr lang="en-IN" sz="1400" dirty="0" smtClean="0">
+              <a:solidFill>
+                <a:srgbClr val="660066"/>
+              </a:solidFill>
+            </a:endParaRPr>
+          </a:p>
+          <a:p>
+            <a:pPr marL="0" indent="0">
+              <a:buNone/>
+            </a:pPr>
+            <a:endParaRPr lang="en-IN" sz="1400" dirty="0">
+              <a:solidFill>
+                <a:srgbClr val="660066"/>
+              </a:solidFill>
+            </a:endParaRPr>
+          </a:p>
+          <a:p>
+            <a:pPr marL="0" indent="0">
+              <a:buNone/>
+            </a:pPr>
+            <a:endParaRPr lang="en-IN" sz="1400" dirty="0">
+              <a:solidFill>
+                <a:srgbClr val="660066"/>
+              </a:solidFill>
+            </a:endParaRPr>
+          </a:p>
+        </p:txBody>
+      </p:sp>
+      <p:pic>
+        <p:nvPicPr>
+          <p:cNvPr id="4" name="Picture 3"/>
+          <p:cNvPicPr>
+            <a:picLocks noChangeAspect="1"/>
+          </p:cNvPicPr>
+          <p:nvPr/>
+        </p:nvPicPr>
+        <p:blipFill>
+          <a:blip r:embed="rId3"/>
+          <a:stretch>
+            <a:fillRect/>
+          </a:stretch>
+        </p:blipFill>
+        <p:spPr>
+          <a:xfrm>
+            <a:off x="124691" y="1049914"/>
+            <a:ext cx="6457950" cy="3400425"/>
+          </a:xfrm>
+          <a:prstGeom prst="rect">
+            <a:avLst/>
+          </a:prstGeom>
+        </p:spPr>
+      </p:pic>
+      <p:pic>
+        <p:nvPicPr>
+          <p:cNvPr id="5" name="Picture 4"/>
+          <p:cNvPicPr>
+            <a:picLocks noChangeAspect="1"/>
+          </p:cNvPicPr>
+          <p:nvPr/>
+        </p:nvPicPr>
+        <p:blipFill>
+          <a:blip r:embed="rId4"/>
+          <a:stretch>
+            <a:fillRect/>
+          </a:stretch>
+        </p:blipFill>
+        <p:spPr>
+          <a:xfrm>
+            <a:off x="7054562" y="2554863"/>
+            <a:ext cx="4943475" cy="390525"/>
+          </a:xfrm>
+          <a:prstGeom prst="rect">
+            <a:avLst/>
+          </a:prstGeom>
+        </p:spPr>
+      </p:pic>
+      <p:pic>
+        <p:nvPicPr>
+          <p:cNvPr id="6" name="Picture 5"/>
+          <p:cNvPicPr>
+            <a:picLocks noChangeAspect="1"/>
+          </p:cNvPicPr>
+          <p:nvPr/>
+        </p:nvPicPr>
+        <p:blipFill>
+          <a:blip r:embed="rId5"/>
+          <a:stretch>
+            <a:fillRect/>
+          </a:stretch>
+        </p:blipFill>
+        <p:spPr>
+          <a:xfrm>
+            <a:off x="3465801" y="4696907"/>
+            <a:ext cx="8086725" cy="1914525"/>
+          </a:xfrm>
+          <a:prstGeom prst="rect">
+            <a:avLst/>
+          </a:prstGeom>
+        </p:spPr>
+      </p:pic>
+      <p:sp>
+        <p:nvSpPr>
+          <p:cNvPr id="7" name="TextBox 6"/>
+          <p:cNvSpPr txBox="1"/>
+          <p:nvPr/>
+        </p:nvSpPr>
+        <p:spPr>
+          <a:xfrm>
+            <a:off x="9526299" y="4112132"/>
+            <a:ext cx="401783" cy="584775"/>
+          </a:xfrm>
+          <a:prstGeom prst="rect">
+            <a:avLst/>
+          </a:prstGeom>
+          <a:noFill/>
+        </p:spPr>
+        <p:txBody>
+          <a:bodyPr wrap="square" rtlCol="0">
+            <a:spAutoFit/>
+          </a:bodyPr>
+          <a:lstStyle/>
+          <a:p>
+            <a:r>
+              <a:rPr lang="en-IN" sz="3200" dirty="0">
+                <a:solidFill>
+                  <a:srgbClr val="0000FF"/>
+                </a:solidFill>
+              </a:rPr>
+              <a:t>3</a:t>
+            </a:r>
+            <a:endParaRPr lang="en-IN" sz="3200" dirty="0">
+              <a:solidFill>
+                <a:srgbClr val="0000FF"/>
+              </a:solidFill>
+            </a:endParaRPr>
+          </a:p>
+        </p:txBody>
+      </p:sp>
+      <p:sp>
+        <p:nvSpPr>
+          <p:cNvPr id="9" name="TextBox 8"/>
+          <p:cNvSpPr txBox="1"/>
+          <p:nvPr/>
+        </p:nvSpPr>
+        <p:spPr>
+          <a:xfrm>
+            <a:off x="9526299" y="1970088"/>
+            <a:ext cx="401783" cy="584775"/>
+          </a:xfrm>
+          <a:prstGeom prst="rect">
+            <a:avLst/>
+          </a:prstGeom>
+          <a:noFill/>
+        </p:spPr>
+        <p:txBody>
+          <a:bodyPr wrap="square" rtlCol="0">
+            <a:spAutoFit/>
+          </a:bodyPr>
+          <a:lstStyle/>
+          <a:p>
+            <a:r>
+              <a:rPr lang="en-IN" sz="3200" dirty="0">
+                <a:solidFill>
+                  <a:srgbClr val="0000FF"/>
+                </a:solidFill>
+              </a:rPr>
+              <a:t>2</a:t>
+            </a:r>
+            <a:endParaRPr lang="en-IN" sz="3200" dirty="0">
+              <a:solidFill>
+                <a:srgbClr val="0000FF"/>
+              </a:solidFill>
+            </a:endParaRPr>
+          </a:p>
+        </p:txBody>
+      </p:sp>
+      <p:sp>
+        <p:nvSpPr>
+          <p:cNvPr id="10" name="TextBox 9"/>
+          <p:cNvSpPr txBox="1"/>
+          <p:nvPr/>
+        </p:nvSpPr>
+        <p:spPr>
+          <a:xfrm>
+            <a:off x="886690" y="738814"/>
+            <a:ext cx="401783" cy="584775"/>
+          </a:xfrm>
+          <a:prstGeom prst="rect">
+            <a:avLst/>
+          </a:prstGeom>
+          <a:noFill/>
+        </p:spPr>
+        <p:txBody>
+          <a:bodyPr wrap="square" rtlCol="0">
+            <a:spAutoFit/>
+          </a:bodyPr>
+          <a:lstStyle/>
+          <a:p>
+            <a:r>
+              <a:rPr lang="en-IN" sz="3200" dirty="0" smtClean="0">
+                <a:solidFill>
+                  <a:srgbClr val="0000FF"/>
+                </a:solidFill>
+              </a:rPr>
+              <a:t>1</a:t>
+            </a:r>
+            <a:endParaRPr lang="en-IN" sz="3200" dirty="0">
+              <a:solidFill>
+                <a:srgbClr val="0000FF"/>
+              </a:solidFill>
+            </a:endParaRPr>
+          </a:p>
+        </p:txBody>
+      </p:sp>
+    </p:spTree>
+    <p:extLst>
+      <p:ext uri="{BB962C8B-B14F-4D97-AF65-F5344CB8AC3E}">
+        <p14:creationId xmlns:p14="http://schemas.microsoft.com/office/powerpoint/2010/main" val="3059483458"/>
+      </p:ext>
+    </p:extLst>
+  </p:cSld>
+  <p:clrMapOvr>
+    <a:masterClrMapping/>
+  </p:clrMapOvr>
+  <mc:AlternateContent xmlns:mc="http://schemas.openxmlformats.org/markup-compatibility/2006" xmlns:p14="http://schemas.microsoft.com/office/powerpoint/2010/main">
+    <mc:Choice Requires="p14">
+      <p:transition spd="med" p14:dur="700">
+        <p:fade/>
+      </p:transition>
+    </mc:Choice>
+    <mc:Fallback xmlns="">
+      <p:transition spd="med">
+        <p:fade/>
+      </p:transition>
+    </mc:Fallback>
+  </mc:AlternateContent>
+</p:sld>
+</file>
+
+<file path=ppt/slides/slide69.xml><?xml version="1.0" encoding="utf-8"?>
+<p:sld xmlns:a="http://schemas.openxmlformats.org/drawingml/2006/main" xmlns:r="http://schemas.openxmlformats.org/officeDocument/2006/relationships" xmlns:p="http://schemas.openxmlformats.org/presentationml/2006/main">
+  <p:cSld>
+    <p:spTree>
+      <p:nvGrpSpPr>
+        <p:cNvPr id="1" name=""/>
+        <p:cNvGrpSpPr/>
+        <p:nvPr/>
+      </p:nvGrpSpPr>
+      <p:grpSpPr>
+        <a:xfrm>
+          <a:off x="0" y="0"/>
+          <a:ext cx="0" cy="0"/>
+          <a:chOff x="0" y="0"/>
+          <a:chExt cx="0" cy="0"/>
+        </a:xfrm>
+      </p:grpSpPr>
+      <p:sp>
+        <p:nvSpPr>
+          <p:cNvPr id="2" name="Content Placeholder 1"/>
+          <p:cNvSpPr>
+            <a:spLocks noGrp="1"/>
+          </p:cNvSpPr>
+          <p:nvPr>
+            <p:ph idx="1"/>
+          </p:nvPr>
+        </p:nvSpPr>
+        <p:spPr>
+          <a:xfrm>
+            <a:off x="0" y="0"/>
+            <a:ext cx="12192000" cy="6858000"/>
+          </a:xfrm>
+        </p:spPr>
+        <p:txBody>
+          <a:bodyPr/>
+          <a:lstStyle/>
+          <a:p>
+            <a:pPr marL="0" indent="0" algn="ctr">
+              <a:buNone/>
+            </a:pPr>
+            <a:r>
+              <a:rPr lang="en-IN" dirty="0" smtClean="0"/>
+              <a:t>Creating A  Branch </a:t>
+            </a:r>
+          </a:p>
+          <a:p>
+            <a:pPr marL="0" indent="0" algn="ctr">
+              <a:buNone/>
+            </a:pPr>
+            <a:endParaRPr lang="en-IN" dirty="0"/>
+          </a:p>
+          <a:p>
+            <a:pPr marL="0" indent="0">
+              <a:buNone/>
+            </a:pPr>
+            <a:r>
+              <a:rPr lang="en-IN" dirty="0" smtClean="0"/>
+              <a:t>How to list the branch</a:t>
+            </a:r>
+          </a:p>
+          <a:p>
+            <a:pPr marL="0" indent="0">
+              <a:buNone/>
+            </a:pPr>
+            <a:endParaRPr lang="en-IN" dirty="0" smtClean="0"/>
+          </a:p>
+          <a:p>
+            <a:pPr marL="514350" indent="-514350">
+              <a:buAutoNum type="arabicParenR"/>
+            </a:pPr>
+            <a:r>
+              <a:rPr lang="en-IN" dirty="0" smtClean="0"/>
+              <a:t>To list the local and remote branch </a:t>
+            </a:r>
+          </a:p>
+          <a:p>
+            <a:pPr marL="0" indent="0">
+              <a:buNone/>
+            </a:pPr>
+            <a:r>
+              <a:rPr lang="en-IN" dirty="0"/>
+              <a:t> </a:t>
+            </a:r>
+            <a:endParaRPr lang="en-IN" dirty="0" smtClean="0"/>
+          </a:p>
+          <a:p>
+            <a:pPr marL="0" indent="0">
+              <a:buNone/>
+            </a:pPr>
+            <a:endParaRPr lang="en-IN" sz="1400" dirty="0" smtClean="0"/>
+          </a:p>
+          <a:p>
+            <a:pPr marL="0" indent="0">
+              <a:buNone/>
+            </a:pPr>
+            <a:endParaRPr lang="en-IN" sz="1400" dirty="0"/>
+          </a:p>
+          <a:p>
+            <a:pPr marL="0" indent="0">
+              <a:buNone/>
+            </a:pPr>
+            <a:r>
+              <a:rPr lang="en-IN" dirty="0" smtClean="0"/>
+              <a:t>2) To list only remote branch </a:t>
+            </a:r>
+          </a:p>
+          <a:p>
+            <a:pPr marL="0" indent="0">
+              <a:buNone/>
+            </a:pPr>
+            <a:endParaRPr lang="en-IN" dirty="0"/>
+          </a:p>
+          <a:p>
+            <a:pPr marL="0" indent="0">
+              <a:buNone/>
+            </a:pPr>
+            <a:endParaRPr lang="en-IN" dirty="0" smtClean="0"/>
+          </a:p>
+          <a:p>
+            <a:pPr marL="0" indent="0">
+              <a:buNone/>
+            </a:pPr>
+            <a:r>
+              <a:rPr lang="en-IN" dirty="0" smtClean="0"/>
+              <a:t>3) To list only local branch </a:t>
+            </a:r>
+          </a:p>
+          <a:p>
+            <a:pPr marL="0" indent="0">
+              <a:buNone/>
+            </a:pPr>
+            <a:r>
+              <a:rPr lang="en-IN" dirty="0"/>
+              <a:t>	</a:t>
+            </a:r>
+            <a:endParaRPr lang="en-IN" dirty="0" smtClean="0"/>
+          </a:p>
+          <a:p>
+            <a:pPr marL="0" indent="0">
+              <a:buNone/>
+            </a:pPr>
+            <a:r>
+              <a:rPr lang="en-IN" dirty="0" smtClean="0"/>
+              <a:t> </a:t>
+            </a:r>
+            <a:endParaRPr lang="en-IN" dirty="0"/>
+          </a:p>
+        </p:txBody>
+      </p:sp>
+      <p:pic>
+        <p:nvPicPr>
+          <p:cNvPr id="3" name="Picture 2"/>
+          <p:cNvPicPr>
+            <a:picLocks noChangeAspect="1"/>
+          </p:cNvPicPr>
+          <p:nvPr/>
+        </p:nvPicPr>
+        <p:blipFill>
+          <a:blip r:embed="rId3"/>
+          <a:stretch>
+            <a:fillRect/>
+          </a:stretch>
+        </p:blipFill>
+        <p:spPr>
+          <a:xfrm>
+            <a:off x="731693" y="2588634"/>
+            <a:ext cx="4438650" cy="600075"/>
+          </a:xfrm>
+          <a:prstGeom prst="rect">
+            <a:avLst/>
+          </a:prstGeom>
+        </p:spPr>
+      </p:pic>
+      <p:pic>
+        <p:nvPicPr>
+          <p:cNvPr id="8" name="Picture 7"/>
+          <p:cNvPicPr>
+            <a:picLocks noChangeAspect="1"/>
+          </p:cNvPicPr>
+          <p:nvPr/>
+        </p:nvPicPr>
+        <p:blipFill>
+          <a:blip r:embed="rId4"/>
+          <a:stretch>
+            <a:fillRect/>
+          </a:stretch>
+        </p:blipFill>
+        <p:spPr>
+          <a:xfrm>
+            <a:off x="731693" y="4331493"/>
+            <a:ext cx="4219575" cy="438150"/>
+          </a:xfrm>
+          <a:prstGeom prst="rect">
+            <a:avLst/>
+          </a:prstGeom>
+        </p:spPr>
+      </p:pic>
+      <p:pic>
+        <p:nvPicPr>
+          <p:cNvPr id="11" name="Picture 10"/>
+          <p:cNvPicPr>
+            <a:picLocks noChangeAspect="1"/>
+          </p:cNvPicPr>
+          <p:nvPr/>
+        </p:nvPicPr>
+        <p:blipFill>
+          <a:blip r:embed="rId5"/>
+          <a:stretch>
+            <a:fillRect/>
+          </a:stretch>
+        </p:blipFill>
+        <p:spPr>
+          <a:xfrm>
+            <a:off x="731693" y="5912427"/>
+            <a:ext cx="4105275" cy="419100"/>
+          </a:xfrm>
+          <a:prstGeom prst="rect">
+            <a:avLst/>
+          </a:prstGeom>
+        </p:spPr>
+      </p:pic>
+    </p:spTree>
+    <p:extLst>
+      <p:ext uri="{BB962C8B-B14F-4D97-AF65-F5344CB8AC3E}">
+        <p14:creationId xmlns:p14="http://schemas.microsoft.com/office/powerpoint/2010/main" val="3349305331"/>
+      </p:ext>
+    </p:extLst>
+  </p:cSld>
+  <p:clrMapOvr>
+    <a:masterClrMapping/>
+  </p:clrMapOvr>
+  <mc:AlternateContent xmlns:mc="http://schemas.openxmlformats.org/markup-compatibility/2006" xmlns:p14="http://schemas.microsoft.com/office/powerpoint/2010/main">
+    <mc:Choice Requires="p14">
+      <p:transition spd="med" p14:dur="700">
+        <p:fade/>
+      </p:transition>
+    </mc:Choice>
+    <mc:Fallback xmlns="">
+      <p:transition spd="med">
+        <p:fade/>
+      </p:transition>
+    </mc:Fallback>
+  </mc:AlternateContent>
+</p:sld>
+</file>
+
 <file path=ppt/slides/slide7.xml><?xml version="1.0" encoding="utf-8"?>
 <p:sld xmlns:a="http://schemas.openxmlformats.org/drawingml/2006/main" xmlns:r="http://schemas.openxmlformats.org/officeDocument/2006/relationships" xmlns:p="http://schemas.openxmlformats.org/presentationml/2006/main">
   <p:cSld>
@@ -31717,6 +32615,506 @@
       </p:par>
     </p:tnLst>
   </p:timing>
+</p:sld>
+</file>
+
+<file path=ppt/slides/slide70.xml><?xml version="1.0" encoding="utf-8"?>
+<p:sld xmlns:a="http://schemas.openxmlformats.org/drawingml/2006/main" xmlns:r="http://schemas.openxmlformats.org/officeDocument/2006/relationships" xmlns:p="http://schemas.openxmlformats.org/presentationml/2006/main">
+  <p:cSld>
+    <p:spTree>
+      <p:nvGrpSpPr>
+        <p:cNvPr id="1" name=""/>
+        <p:cNvGrpSpPr/>
+        <p:nvPr/>
+      </p:nvGrpSpPr>
+      <p:grpSpPr>
+        <a:xfrm>
+          <a:off x="0" y="0"/>
+          <a:ext cx="0" cy="0"/>
+          <a:chOff x="0" y="0"/>
+          <a:chExt cx="0" cy="0"/>
+        </a:xfrm>
+      </p:grpSpPr>
+      <p:sp>
+        <p:nvSpPr>
+          <p:cNvPr id="10" name="Content Placeholder 9"/>
+          <p:cNvSpPr>
+            <a:spLocks noGrp="1"/>
+          </p:cNvSpPr>
+          <p:nvPr>
+            <p:ph idx="1"/>
+          </p:nvPr>
+        </p:nvSpPr>
+        <p:spPr>
+          <a:xfrm>
+            <a:off x="-1" y="0"/>
+            <a:ext cx="12067309" cy="6176963"/>
+          </a:xfrm>
+        </p:spPr>
+        <p:txBody>
+          <a:bodyPr/>
+          <a:lstStyle/>
+          <a:p>
+            <a:pPr marL="0" indent="0">
+              <a:buNone/>
+            </a:pPr>
+            <a:r>
+              <a:rPr lang="en-IN" dirty="0" smtClean="0"/>
+              <a:t>					Creating </a:t>
+            </a:r>
+            <a:r>
+              <a:rPr lang="en-IN" dirty="0"/>
+              <a:t>A  Branch </a:t>
+            </a:r>
+            <a:endParaRPr lang="en-IN" dirty="0" smtClean="0"/>
+          </a:p>
+          <a:p>
+            <a:pPr marL="0" indent="0">
+              <a:buNone/>
+            </a:pPr>
+            <a:endParaRPr lang="en-IN" dirty="0"/>
+          </a:p>
+          <a:p>
+            <a:pPr marL="0" indent="0">
+              <a:buNone/>
+            </a:pPr>
+            <a:endParaRPr lang="en-IN" dirty="0" smtClean="0"/>
+          </a:p>
+          <a:p>
+            <a:pPr marL="0" indent="0">
+              <a:buNone/>
+            </a:pPr>
+            <a:endParaRPr lang="en-IN" dirty="0"/>
+          </a:p>
+          <a:p>
+            <a:pPr marL="0" indent="0">
+              <a:buNone/>
+            </a:pPr>
+            <a:endParaRPr lang="en-IN" dirty="0" smtClean="0"/>
+          </a:p>
+          <a:p>
+            <a:pPr marL="0" indent="0">
+              <a:buNone/>
+            </a:pPr>
+            <a:endParaRPr lang="en-IN" dirty="0"/>
+          </a:p>
+          <a:p>
+            <a:pPr marL="0" indent="0">
+              <a:buNone/>
+            </a:pPr>
+            <a:r>
+              <a:rPr lang="en-IN" dirty="0" smtClean="0"/>
+              <a:t>The checkout command switch the from one branch to other branch , option –b create the new branch.</a:t>
+            </a:r>
+          </a:p>
+          <a:p>
+            <a:pPr marL="0" indent="0">
+              <a:buNone/>
+            </a:pPr>
+            <a:endParaRPr lang="en-IN" dirty="0" smtClean="0"/>
+          </a:p>
+          <a:p>
+            <a:pPr marL="0" indent="0">
+              <a:buNone/>
+            </a:pPr>
+            <a:endParaRPr lang="en-IN" dirty="0"/>
+          </a:p>
+          <a:p>
+            <a:pPr marL="0" indent="0">
+              <a:buNone/>
+            </a:pPr>
+            <a:endParaRPr lang="en-IN" dirty="0" smtClean="0"/>
+          </a:p>
+          <a:p>
+            <a:pPr marL="0" indent="0">
+              <a:buNone/>
+            </a:pPr>
+            <a:endParaRPr lang="en-IN" dirty="0"/>
+          </a:p>
+          <a:p>
+            <a:endParaRPr lang="en-IN" dirty="0"/>
+          </a:p>
+        </p:txBody>
+      </p:sp>
+      <p:pic>
+        <p:nvPicPr>
+          <p:cNvPr id="12" name="Picture 11"/>
+          <p:cNvPicPr>
+            <a:picLocks noChangeAspect="1"/>
+          </p:cNvPicPr>
+          <p:nvPr/>
+        </p:nvPicPr>
+        <p:blipFill>
+          <a:blip r:embed="rId3"/>
+          <a:stretch>
+            <a:fillRect/>
+          </a:stretch>
+        </p:blipFill>
+        <p:spPr>
+          <a:xfrm>
+            <a:off x="135948" y="719137"/>
+            <a:ext cx="5048250" cy="1457325"/>
+          </a:xfrm>
+          <a:prstGeom prst="rect">
+            <a:avLst/>
+          </a:prstGeom>
+        </p:spPr>
+      </p:pic>
+    </p:spTree>
+    <p:extLst>
+      <p:ext uri="{BB962C8B-B14F-4D97-AF65-F5344CB8AC3E}">
+        <p14:creationId xmlns:p14="http://schemas.microsoft.com/office/powerpoint/2010/main" val="2312064850"/>
+      </p:ext>
+    </p:extLst>
+  </p:cSld>
+  <p:clrMapOvr>
+    <a:masterClrMapping/>
+  </p:clrMapOvr>
+  <mc:AlternateContent xmlns:mc="http://schemas.openxmlformats.org/markup-compatibility/2006" xmlns:p14="http://schemas.microsoft.com/office/powerpoint/2010/main">
+    <mc:Choice Requires="p14">
+      <p:transition spd="med" p14:dur="700">
+        <p:fade/>
+      </p:transition>
+    </mc:Choice>
+    <mc:Fallback xmlns="">
+      <p:transition spd="med">
+        <p:fade/>
+      </p:transition>
+    </mc:Fallback>
+  </mc:AlternateContent>
+</p:sld>
+</file>
+
+<file path=ppt/slides/slide71.xml><?xml version="1.0" encoding="utf-8"?>
+<p:sld xmlns:a="http://schemas.openxmlformats.org/drawingml/2006/main" xmlns:r="http://schemas.openxmlformats.org/officeDocument/2006/relationships" xmlns:p="http://schemas.openxmlformats.org/presentationml/2006/main">
+  <p:cSld>
+    <p:spTree>
+      <p:nvGrpSpPr>
+        <p:cNvPr id="1" name=""/>
+        <p:cNvGrpSpPr/>
+        <p:nvPr/>
+      </p:nvGrpSpPr>
+      <p:grpSpPr>
+        <a:xfrm>
+          <a:off x="0" y="0"/>
+          <a:ext cx="0" cy="0"/>
+          <a:chOff x="0" y="0"/>
+          <a:chExt cx="0" cy="0"/>
+        </a:xfrm>
+      </p:grpSpPr>
+      <p:sp>
+        <p:nvSpPr>
+          <p:cNvPr id="2" name="Title 1"/>
+          <p:cNvSpPr>
+            <a:spLocks noGrp="1"/>
+          </p:cNvSpPr>
+          <p:nvPr>
+            <p:ph type="title"/>
+          </p:nvPr>
+        </p:nvSpPr>
+        <p:spPr/>
+        <p:txBody>
+          <a:bodyPr/>
+          <a:lstStyle/>
+          <a:p>
+            <a:endParaRPr lang="en-IN"/>
+          </a:p>
+        </p:txBody>
+      </p:sp>
+      <p:pic>
+        <p:nvPicPr>
+          <p:cNvPr id="6" name="Content Placeholder 5"/>
+          <p:cNvPicPr>
+            <a:picLocks noGrp="1" noChangeAspect="1"/>
+          </p:cNvPicPr>
+          <p:nvPr>
+            <p:ph idx="1"/>
+          </p:nvPr>
+        </p:nvPicPr>
+        <p:blipFill>
+          <a:blip r:embed="rId2"/>
+          <a:stretch>
+            <a:fillRect/>
+          </a:stretch>
+        </p:blipFill>
+        <p:spPr>
+          <a:xfrm>
+            <a:off x="1057708" y="2003642"/>
+            <a:ext cx="7000875" cy="3829050"/>
+          </a:xfrm>
+          <a:prstGeom prst="rect">
+            <a:avLst/>
+          </a:prstGeom>
+        </p:spPr>
+      </p:pic>
+    </p:spTree>
+    <p:extLst>
+      <p:ext uri="{BB962C8B-B14F-4D97-AF65-F5344CB8AC3E}">
+        <p14:creationId xmlns:p14="http://schemas.microsoft.com/office/powerpoint/2010/main" val="3637922138"/>
+      </p:ext>
+    </p:extLst>
+  </p:cSld>
+  <p:clrMapOvr>
+    <a:masterClrMapping/>
+  </p:clrMapOvr>
+  <mc:AlternateContent xmlns:mc="http://schemas.openxmlformats.org/markup-compatibility/2006" xmlns:p14="http://schemas.microsoft.com/office/powerpoint/2010/main">
+    <mc:Choice Requires="p14">
+      <p:transition spd="med" p14:dur="700">
+        <p:fade/>
+      </p:transition>
+    </mc:Choice>
+    <mc:Fallback xmlns="">
+      <p:transition spd="med">
+        <p:fade/>
+      </p:transition>
+    </mc:Fallback>
+  </mc:AlternateContent>
+</p:sld>
+</file>
+
+<file path=ppt/slides/slide72.xml><?xml version="1.0" encoding="utf-8"?>
+<p:sld xmlns:a="http://schemas.openxmlformats.org/drawingml/2006/main" xmlns:r="http://schemas.openxmlformats.org/officeDocument/2006/relationships" xmlns:p="http://schemas.openxmlformats.org/presentationml/2006/main">
+  <p:cSld>
+    <p:spTree>
+      <p:nvGrpSpPr>
+        <p:cNvPr id="1" name=""/>
+        <p:cNvGrpSpPr/>
+        <p:nvPr/>
+      </p:nvGrpSpPr>
+      <p:grpSpPr>
+        <a:xfrm>
+          <a:off x="0" y="0"/>
+          <a:ext cx="0" cy="0"/>
+          <a:chOff x="0" y="0"/>
+          <a:chExt cx="0" cy="0"/>
+        </a:xfrm>
+      </p:grpSpPr>
+      <p:sp>
+        <p:nvSpPr>
+          <p:cNvPr id="2" name="Title 1"/>
+          <p:cNvSpPr>
+            <a:spLocks noGrp="1"/>
+          </p:cNvSpPr>
+          <p:nvPr>
+            <p:ph type="title"/>
+          </p:nvPr>
+        </p:nvSpPr>
+        <p:spPr/>
+        <p:txBody>
+          <a:bodyPr/>
+          <a:lstStyle/>
+          <a:p>
+            <a:endParaRPr lang="en-IN"/>
+          </a:p>
+        </p:txBody>
+      </p:sp>
+      <p:pic>
+        <p:nvPicPr>
+          <p:cNvPr id="4" name="Content Placeholder 3"/>
+          <p:cNvPicPr>
+            <a:picLocks noGrp="1" noChangeAspect="1"/>
+          </p:cNvPicPr>
+          <p:nvPr>
+            <p:ph idx="1"/>
+          </p:nvPr>
+        </p:nvPicPr>
+        <p:blipFill>
+          <a:blip r:embed="rId2"/>
+          <a:stretch>
+            <a:fillRect/>
+          </a:stretch>
+        </p:blipFill>
+        <p:spPr>
+          <a:xfrm>
+            <a:off x="1221364" y="1985458"/>
+            <a:ext cx="7172325" cy="3810000"/>
+          </a:xfrm>
+          <a:prstGeom prst="rect">
+            <a:avLst/>
+          </a:prstGeom>
+        </p:spPr>
+      </p:pic>
+    </p:spTree>
+    <p:extLst>
+      <p:ext uri="{BB962C8B-B14F-4D97-AF65-F5344CB8AC3E}">
+        <p14:creationId xmlns:p14="http://schemas.microsoft.com/office/powerpoint/2010/main" val="431939847"/>
+      </p:ext>
+    </p:extLst>
+  </p:cSld>
+  <p:clrMapOvr>
+    <a:masterClrMapping/>
+  </p:clrMapOvr>
+  <mc:AlternateContent xmlns:mc="http://schemas.openxmlformats.org/markup-compatibility/2006" xmlns:p14="http://schemas.microsoft.com/office/powerpoint/2010/main">
+    <mc:Choice Requires="p14">
+      <p:transition spd="med" p14:dur="700">
+        <p:fade/>
+      </p:transition>
+    </mc:Choice>
+    <mc:Fallback xmlns="">
+      <p:transition spd="med">
+        <p:fade/>
+      </p:transition>
+    </mc:Fallback>
+  </mc:AlternateContent>
+</p:sld>
+</file>
+
+<file path=ppt/slides/slide73.xml><?xml version="1.0" encoding="utf-8"?>
+<p:sld xmlns:a="http://schemas.openxmlformats.org/drawingml/2006/main" xmlns:r="http://schemas.openxmlformats.org/officeDocument/2006/relationships" xmlns:p="http://schemas.openxmlformats.org/presentationml/2006/main">
+  <p:cSld>
+    <p:spTree>
+      <p:nvGrpSpPr>
+        <p:cNvPr id="1" name=""/>
+        <p:cNvGrpSpPr/>
+        <p:nvPr/>
+      </p:nvGrpSpPr>
+      <p:grpSpPr>
+        <a:xfrm>
+          <a:off x="0" y="0"/>
+          <a:ext cx="0" cy="0"/>
+          <a:chOff x="0" y="0"/>
+          <a:chExt cx="0" cy="0"/>
+        </a:xfrm>
+      </p:grpSpPr>
+      <p:sp>
+        <p:nvSpPr>
+          <p:cNvPr id="2" name="Title 1"/>
+          <p:cNvSpPr>
+            <a:spLocks noGrp="1"/>
+          </p:cNvSpPr>
+          <p:nvPr>
+            <p:ph type="title"/>
+          </p:nvPr>
+        </p:nvSpPr>
+        <p:spPr/>
+        <p:txBody>
+          <a:bodyPr/>
+          <a:lstStyle/>
+          <a:p>
+            <a:endParaRPr lang="en-IN" dirty="0"/>
+          </a:p>
+        </p:txBody>
+      </p:sp>
+      <p:pic>
+        <p:nvPicPr>
+          <p:cNvPr id="4" name="Content Placeholder 3"/>
+          <p:cNvPicPr>
+            <a:picLocks noGrp="1" noChangeAspect="1"/>
+          </p:cNvPicPr>
+          <p:nvPr>
+            <p:ph idx="1"/>
+          </p:nvPr>
+        </p:nvPicPr>
+        <p:blipFill>
+          <a:blip r:embed="rId2"/>
+          <a:stretch>
+            <a:fillRect/>
+          </a:stretch>
+        </p:blipFill>
+        <p:spPr>
+          <a:xfrm>
+            <a:off x="958128" y="2421876"/>
+            <a:ext cx="6867525" cy="914400"/>
+          </a:xfrm>
+          <a:prstGeom prst="rect">
+            <a:avLst/>
+          </a:prstGeom>
+        </p:spPr>
+      </p:pic>
+      <p:pic>
+        <p:nvPicPr>
+          <p:cNvPr id="5" name="Picture 4"/>
+          <p:cNvPicPr>
+            <a:picLocks noChangeAspect="1"/>
+          </p:cNvPicPr>
+          <p:nvPr/>
+        </p:nvPicPr>
+        <p:blipFill>
+          <a:blip r:embed="rId3"/>
+          <a:stretch>
+            <a:fillRect/>
+          </a:stretch>
+        </p:blipFill>
+        <p:spPr>
+          <a:xfrm>
+            <a:off x="958128" y="3600739"/>
+            <a:ext cx="5686425" cy="466725"/>
+          </a:xfrm>
+          <a:prstGeom prst="rect">
+            <a:avLst/>
+          </a:prstGeom>
+        </p:spPr>
+      </p:pic>
+      <p:pic>
+        <p:nvPicPr>
+          <p:cNvPr id="6" name="Picture 5"/>
+          <p:cNvPicPr>
+            <a:picLocks noChangeAspect="1"/>
+          </p:cNvPicPr>
+          <p:nvPr/>
+        </p:nvPicPr>
+        <p:blipFill>
+          <a:blip r:embed="rId4"/>
+          <a:stretch>
+            <a:fillRect/>
+          </a:stretch>
+        </p:blipFill>
+        <p:spPr>
+          <a:xfrm>
+            <a:off x="958128" y="4331927"/>
+            <a:ext cx="6162675" cy="619125"/>
+          </a:xfrm>
+          <a:prstGeom prst="rect">
+            <a:avLst/>
+          </a:prstGeom>
+        </p:spPr>
+      </p:pic>
+      <p:pic>
+        <p:nvPicPr>
+          <p:cNvPr id="7" name="Picture 6"/>
+          <p:cNvPicPr>
+            <a:picLocks noChangeAspect="1"/>
+          </p:cNvPicPr>
+          <p:nvPr/>
+        </p:nvPicPr>
+        <p:blipFill>
+          <a:blip r:embed="rId5"/>
+          <a:stretch>
+            <a:fillRect/>
+          </a:stretch>
+        </p:blipFill>
+        <p:spPr>
+          <a:xfrm>
+            <a:off x="958128" y="5232328"/>
+            <a:ext cx="7343775" cy="714375"/>
+          </a:xfrm>
+          <a:prstGeom prst="rect">
+            <a:avLst/>
+          </a:prstGeom>
+        </p:spPr>
+      </p:pic>
+    </p:spTree>
+    <p:extLst>
+      <p:ext uri="{BB962C8B-B14F-4D97-AF65-F5344CB8AC3E}">
+        <p14:creationId xmlns:p14="http://schemas.microsoft.com/office/powerpoint/2010/main" val="3546496241"/>
+      </p:ext>
+    </p:extLst>
+  </p:cSld>
+  <p:clrMapOvr>
+    <a:masterClrMapping/>
+  </p:clrMapOvr>
+  <mc:AlternateContent xmlns:mc="http://schemas.openxmlformats.org/markup-compatibility/2006" xmlns:p14="http://schemas.microsoft.com/office/powerpoint/2010/main">
+    <mc:Choice Requires="p14">
+      <p:transition spd="med" p14:dur="700">
+        <p:fade/>
+      </p:transition>
+    </mc:Choice>
+    <mc:Fallback xmlns="">
+      <p:transition spd="med">
+        <p:fade/>
+      </p:transition>
+    </mc:Fallback>
+  </mc:AlternateContent>
 </p:sld>
 </file>
 
@@ -32850,6 +34248,15 @@
 </file>
 
 <file path=customXml/item1.xml><?xml version="1.0" encoding="utf-8"?>
+<?mso-contentType ?>
+<FormTemplates xmlns="http://schemas.microsoft.com/sharepoint/v3/contenttype/forms">
+  <Display>DocumentLibraryForm</Display>
+  <Edit>DocumentLibraryForm</Edit>
+  <New>DocumentLibraryForm</New>
+</FormTemplates>
+</file>
+
+<file path=customXml/item2.xml><?xml version="1.0" encoding="utf-8"?>
 <p:properties xmlns:p="http://schemas.microsoft.com/office/2006/metadata/properties" xmlns:xsi="http://www.w3.org/2001/XMLSchema-instance" xmlns:pc="http://schemas.microsoft.com/office/infopath/2007/PartnerControls">
   <documentManagement>
     <VSO_x0020_item_x0020_id xmlns="40262f94-9f35-4ac3-9a90-690165a166b7" xsi:nil="true"/>
@@ -32860,7 +34267,7 @@
 </p:properties>
 </file>
 
-<file path=customXml/item2.xml><?xml version="1.0" encoding="utf-8"?>
+<file path=customXml/item3.xml><?xml version="1.0" encoding="utf-8"?>
 <ct:contentTypeSchema xmlns:ct="http://schemas.microsoft.com/office/2006/metadata/contentType" xmlns:ma="http://schemas.microsoft.com/office/2006/metadata/properties/metaAttributes" ct:_="" ma:_="" ma:contentTypeName="Document" ma:contentTypeID="0x010100AA3F7D94069FF64A86F7DFF56D60E3BE" ma:contentTypeVersion="6" ma:contentTypeDescription="Create a new document." ma:contentTypeScope="" ma:versionID="c32302c77d4085ecf495bdddb7f5e889">
   <xsd:schema xmlns:xsd="http://www.w3.org/2001/XMLSchema" xmlns:xs="http://www.w3.org/2001/XMLSchema" xmlns:p="http://schemas.microsoft.com/office/2006/metadata/properties" xmlns:ns2="a4f35948-e619-41b3-aa29-22878b09cfd2" xmlns:ns3="40262f94-9f35-4ac3-9a90-690165a166b7" targetNamespace="http://schemas.microsoft.com/office/2006/metadata/properties" ma:root="true" ma:fieldsID="4ab5ae46be95f9d0be6107e8200be7a2" ns2:_="" ns3:_="">
     <xsd:import namespace="a4f35948-e619-41b3-aa29-22878b09cfd2"/>
@@ -33041,16 +34448,15 @@
 </ct:contentTypeSchema>
 </file>
 
-<file path=customXml/item3.xml><?xml version="1.0" encoding="utf-8"?>
-<?mso-contentType ?>
-<FormTemplates xmlns="http://schemas.microsoft.com/sharepoint/v3/contenttype/forms">
-  <Display>DocumentLibraryForm</Display>
-  <Edit>DocumentLibraryForm</Edit>
-  <New>DocumentLibraryForm</New>
-</FormTemplates>
+<file path=customXml/itemProps1.xml><?xml version="1.0" encoding="utf-8"?>
+<ds:datastoreItem xmlns:ds="http://schemas.openxmlformats.org/officeDocument/2006/customXml" ds:itemID="{B024FD56-CE1B-42FC-9E83-BFBF160724C6}">
+  <ds:schemaRefs>
+    <ds:schemaRef ds:uri="http://schemas.microsoft.com/sharepoint/v3/contenttype/forms"/>
+  </ds:schemaRefs>
+</ds:datastoreItem>
 </file>
 
-<file path=customXml/itemProps1.xml><?xml version="1.0" encoding="utf-8"?>
+<file path=customXml/itemProps2.xml><?xml version="1.0" encoding="utf-8"?>
 <ds:datastoreItem xmlns:ds="http://schemas.openxmlformats.org/officeDocument/2006/customXml" ds:itemID="{DEDD01B8-816B-49B7-8C81-03AB51D87C54}">
   <ds:schemaRefs>
     <ds:schemaRef ds:uri="http://schemas.openxmlformats.org/package/2006/metadata/core-properties"/>
@@ -33067,7 +34473,7 @@
 </ds:datastoreItem>
 </file>
 
-<file path=customXml/itemProps2.xml><?xml version="1.0" encoding="utf-8"?>
+<file path=customXml/itemProps3.xml><?xml version="1.0" encoding="utf-8"?>
 <ds:datastoreItem xmlns:ds="http://schemas.openxmlformats.org/officeDocument/2006/customXml" ds:itemID="{6253D857-4181-4777-8893-6E45A690F9F7}">
   <ds:schemaRefs>
     <ds:schemaRef ds:uri="http://schemas.microsoft.com/office/2006/metadata/contentType"/>
@@ -33084,12 +34490,4 @@
     <ds:schemaRef ds:uri="http://schemas.microsoft.com/internal/obd"/>
   </ds:schemaRefs>
 </ds:datastoreItem>
-</file>
-
-<file path=customXml/itemProps3.xml><?xml version="1.0" encoding="utf-8"?>
-<ds:datastoreItem xmlns:ds="http://schemas.openxmlformats.org/officeDocument/2006/customXml" ds:itemID="{B024FD56-CE1B-42FC-9E83-BFBF160724C6}">
-  <ds:schemaRefs>
-    <ds:schemaRef ds:uri="http://schemas.microsoft.com/sharepoint/v3/contenttype/forms"/>
-  </ds:schemaRefs>
-</ds:datastoreItem>
 </file>